--- a/presentation/presentation.pptx
+++ b/presentation/presentation.pptx
@@ -5,7 +5,7 @@
     <p:sldMasterId id="2147483660" r:id="rId1"/>
   </p:sldMasterIdLst>
   <p:notesMasterIdLst>
-    <p:notesMasterId r:id="rId15"/>
+    <p:notesMasterId r:id="rId14"/>
   </p:notesMasterIdLst>
   <p:sldIdLst>
     <p:sldId id="256" r:id="rId2"/>
@@ -18,9 +18,8 @@
     <p:sldId id="258" r:id="rId9"/>
     <p:sldId id="259" r:id="rId10"/>
     <p:sldId id="260" r:id="rId11"/>
-    <p:sldId id="263" r:id="rId12"/>
-    <p:sldId id="277" r:id="rId13"/>
-    <p:sldId id="270" r:id="rId14"/>
+    <p:sldId id="277" r:id="rId12"/>
+    <p:sldId id="270" r:id="rId13"/>
   </p:sldIdLst>
   <p:sldSz cx="12192000" cy="6858000"/>
   <p:notesSz cx="6858000" cy="9144000"/>
@@ -209,7 +208,7 @@
           <a:p>
             <a:fld id="{6EDBDE1E-003D-41B4-8E8F-56EE2639DDC5}" type="datetimeFigureOut">
               <a:rPr lang="pl-PL" smtClean="0"/>
-              <a:t>13.06.2020</a:t>
+              <a:t>15.06.2020</a:t>
             </a:fld>
             <a:endParaRPr lang="pl-PL"/>
           </a:p>
@@ -1198,7 +1197,7 @@
           <a:p>
             <a:fld id="{34E8E317-0CC5-4BDD-939C-FB89BCBC1528}" type="datetimeFigureOut">
               <a:rPr lang="pl-PL" smtClean="0"/>
-              <a:t>13.06.2020</a:t>
+              <a:t>15.06.2020</a:t>
             </a:fld>
             <a:endParaRPr lang="pl-PL"/>
           </a:p>
@@ -1449,7 +1448,7 @@
           <a:p>
             <a:fld id="{34E8E317-0CC5-4BDD-939C-FB89BCBC1528}" type="datetimeFigureOut">
               <a:rPr lang="pl-PL" smtClean="0"/>
-              <a:t>13.06.2020</a:t>
+              <a:t>15.06.2020</a:t>
             </a:fld>
             <a:endParaRPr lang="pl-PL"/>
           </a:p>
@@ -1763,7 +1762,7 @@
           <a:p>
             <a:fld id="{34E8E317-0CC5-4BDD-939C-FB89BCBC1528}" type="datetimeFigureOut">
               <a:rPr lang="pl-PL" smtClean="0"/>
-              <a:t>13.06.2020</a:t>
+              <a:t>15.06.2020</a:t>
             </a:fld>
             <a:endParaRPr lang="pl-PL"/>
           </a:p>
@@ -2104,7 +2103,7 @@
           <a:p>
             <a:fld id="{34E8E317-0CC5-4BDD-939C-FB89BCBC1528}" type="datetimeFigureOut">
               <a:rPr lang="pl-PL" smtClean="0"/>
-              <a:t>13.06.2020</a:t>
+              <a:t>15.06.2020</a:t>
             </a:fld>
             <a:endParaRPr lang="pl-PL"/>
           </a:p>
@@ -2418,7 +2417,7 @@
           <a:p>
             <a:fld id="{34E8E317-0CC5-4BDD-939C-FB89BCBC1528}" type="datetimeFigureOut">
               <a:rPr lang="pl-PL" smtClean="0"/>
-              <a:t>13.06.2020</a:t>
+              <a:t>15.06.2020</a:t>
             </a:fld>
             <a:endParaRPr lang="pl-PL"/>
           </a:p>
@@ -2811,7 +2810,7 @@
           <a:p>
             <a:fld id="{34E8E317-0CC5-4BDD-939C-FB89BCBC1528}" type="datetimeFigureOut">
               <a:rPr lang="pl-PL" smtClean="0"/>
-              <a:t>13.06.2020</a:t>
+              <a:t>15.06.2020</a:t>
             </a:fld>
             <a:endParaRPr lang="pl-PL"/>
           </a:p>
@@ -2981,7 +2980,7 @@
           <a:p>
             <a:fld id="{34E8E317-0CC5-4BDD-939C-FB89BCBC1528}" type="datetimeFigureOut">
               <a:rPr lang="pl-PL" smtClean="0"/>
-              <a:t>13.06.2020</a:t>
+              <a:t>15.06.2020</a:t>
             </a:fld>
             <a:endParaRPr lang="pl-PL"/>
           </a:p>
@@ -3161,7 +3160,7 @@
           <a:p>
             <a:fld id="{34E8E317-0CC5-4BDD-939C-FB89BCBC1528}" type="datetimeFigureOut">
               <a:rPr lang="pl-PL" smtClean="0"/>
-              <a:t>13.06.2020</a:t>
+              <a:t>15.06.2020</a:t>
             </a:fld>
             <a:endParaRPr lang="pl-PL"/>
           </a:p>
@@ -3337,7 +3336,7 @@
           <a:p>
             <a:fld id="{34E8E317-0CC5-4BDD-939C-FB89BCBC1528}" type="datetimeFigureOut">
               <a:rPr lang="pl-PL" smtClean="0"/>
-              <a:t>13.06.2020</a:t>
+              <a:t>15.06.2020</a:t>
             </a:fld>
             <a:endParaRPr lang="pl-PL"/>
           </a:p>
@@ -3584,7 +3583,7 @@
           <a:p>
             <a:fld id="{34E8E317-0CC5-4BDD-939C-FB89BCBC1528}" type="datetimeFigureOut">
               <a:rPr lang="pl-PL" smtClean="0"/>
-              <a:t>13.06.2020</a:t>
+              <a:t>15.06.2020</a:t>
             </a:fld>
             <a:endParaRPr lang="pl-PL"/>
           </a:p>
@@ -3816,7 +3815,7 @@
           <a:p>
             <a:fld id="{34E8E317-0CC5-4BDD-939C-FB89BCBC1528}" type="datetimeFigureOut">
               <a:rPr lang="pl-PL" smtClean="0"/>
-              <a:t>13.06.2020</a:t>
+              <a:t>15.06.2020</a:t>
             </a:fld>
             <a:endParaRPr lang="pl-PL"/>
           </a:p>
@@ -4190,7 +4189,7 @@
           <a:p>
             <a:fld id="{34E8E317-0CC5-4BDD-939C-FB89BCBC1528}" type="datetimeFigureOut">
               <a:rPr lang="pl-PL" smtClean="0"/>
-              <a:t>13.06.2020</a:t>
+              <a:t>15.06.2020</a:t>
             </a:fld>
             <a:endParaRPr lang="pl-PL"/>
           </a:p>
@@ -4313,7 +4312,7 @@
           <a:p>
             <a:fld id="{34E8E317-0CC5-4BDD-939C-FB89BCBC1528}" type="datetimeFigureOut">
               <a:rPr lang="pl-PL" smtClean="0"/>
-              <a:t>13.06.2020</a:t>
+              <a:t>15.06.2020</a:t>
             </a:fld>
             <a:endParaRPr lang="pl-PL"/>
           </a:p>
@@ -4408,7 +4407,7 @@
           <a:p>
             <a:fld id="{34E8E317-0CC5-4BDD-939C-FB89BCBC1528}" type="datetimeFigureOut">
               <a:rPr lang="pl-PL" smtClean="0"/>
-              <a:t>13.06.2020</a:t>
+              <a:t>15.06.2020</a:t>
             </a:fld>
             <a:endParaRPr lang="pl-PL"/>
           </a:p>
@@ -4663,7 +4662,7 @@
           <a:p>
             <a:fld id="{34E8E317-0CC5-4BDD-939C-FB89BCBC1528}" type="datetimeFigureOut">
               <a:rPr lang="pl-PL" smtClean="0"/>
-              <a:t>13.06.2020</a:t>
+              <a:t>15.06.2020</a:t>
             </a:fld>
             <a:endParaRPr lang="pl-PL"/>
           </a:p>
@@ -4926,7 +4925,7 @@
           <a:p>
             <a:fld id="{34E8E317-0CC5-4BDD-939C-FB89BCBC1528}" type="datetimeFigureOut">
               <a:rPr lang="pl-PL" smtClean="0"/>
-              <a:t>13.06.2020</a:t>
+              <a:t>15.06.2020</a:t>
             </a:fld>
             <a:endParaRPr lang="pl-PL"/>
           </a:p>
@@ -5669,7 +5668,7 @@
           <a:p>
             <a:fld id="{34E8E317-0CC5-4BDD-939C-FB89BCBC1528}" type="datetimeFigureOut">
               <a:rPr lang="pl-PL" smtClean="0"/>
-              <a:t>13.06.2020</a:t>
+              <a:t>15.06.2020</a:t>
             </a:fld>
             <a:endParaRPr lang="pl-PL"/>
           </a:p>
@@ -6336,7 +6335,7 @@
         </p:blipFill>
         <p:spPr>
           <a:xfrm>
-            <a:off x="2007279" y="1475724"/>
+            <a:off x="7159571" y="2310993"/>
             <a:ext cx="2020749" cy="1252779"/>
           </a:xfrm>
           <a:prstGeom prst="rect">
@@ -6360,7 +6359,7 @@
         </p:blipFill>
         <p:spPr>
           <a:xfrm>
-            <a:off x="467732" y="2860205"/>
+            <a:off x="5620024" y="3695474"/>
             <a:ext cx="5099845" cy="1158062"/>
           </a:xfrm>
           <a:prstGeom prst="rect">
@@ -6384,7 +6383,7 @@
         </p:blipFill>
         <p:spPr>
           <a:xfrm>
-            <a:off x="447313" y="4056185"/>
+            <a:off x="5599605" y="4891454"/>
             <a:ext cx="5140688" cy="1157211"/>
           </a:xfrm>
           <a:prstGeom prst="rect">
@@ -6404,8 +6403,8 @@
         </p:nvSpPr>
         <p:spPr>
           <a:xfrm>
-            <a:off x="5567577" y="1379381"/>
-            <a:ext cx="4954954" cy="3227824"/>
+            <a:off x="764152" y="1959935"/>
+            <a:ext cx="5449185" cy="3227824"/>
           </a:xfrm>
         </p:spPr>
         <p:txBody>
@@ -6414,8 +6413,23 @@
           <a:p>
             <a:r>
               <a:rPr lang="pl-PL" dirty="0" smtClean="0"/>
-              <a:t>Finalnie: UCB1 z c=2, 15000 iteracji</a:t>
-            </a:r>
+              <a:t>Zwycięzca: </a:t>
+            </a:r>
+            <a:r>
+              <a:rPr lang="pl-PL" dirty="0" smtClean="0"/>
+              <a:t>UCB1 z c=2, 15000 </a:t>
+            </a:r>
+            <a:r>
+              <a:rPr lang="pl-PL" dirty="0" smtClean="0"/>
+              <a:t>iteracji</a:t>
+            </a:r>
+          </a:p>
+          <a:p>
+            <a:r>
+              <a:rPr lang="pl-PL" dirty="0" smtClean="0"/>
+              <a:t>UCB-V często doprowadzał do remisów (13.4%)</a:t>
+            </a:r>
+            <a:endParaRPr lang="pl-PL" dirty="0" smtClean="0"/>
           </a:p>
           <a:p>
             <a:endParaRPr lang="pl-PL" dirty="0"/>
@@ -6454,59 +6468,6 @@
       </p:grpSpPr>
       <p:sp>
         <p:nvSpPr>
-          <p:cNvPr id="2" name="Title 1"/>
-          <p:cNvSpPr>
-            <a:spLocks noGrp="1"/>
-          </p:cNvSpPr>
-          <p:nvPr>
-            <p:ph type="title"/>
-          </p:nvPr>
-        </p:nvSpPr>
-        <p:spPr/>
-        <p:txBody>
-          <a:bodyPr/>
-          <a:lstStyle/>
-          <a:p>
-            <a:r>
-              <a:rPr lang="pl-PL" dirty="0" smtClean="0"/>
-              <a:t>Usprawnienia UCT</a:t>
-            </a:r>
-            <a:endParaRPr lang="pl-PL" dirty="0"/>
-          </a:p>
-        </p:txBody>
-      </p:sp>
-    </p:spTree>
-    <p:extLst>
-      <p:ext uri="{BB962C8B-B14F-4D97-AF65-F5344CB8AC3E}">
-        <p14:creationId xmlns:p14="http://schemas.microsoft.com/office/powerpoint/2010/main" val="4260450814"/>
-      </p:ext>
-    </p:extLst>
-  </p:cSld>
-  <p:clrMapOvr>
-    <a:masterClrMapping/>
-  </p:clrMapOvr>
-</p:sld>
-</file>
-
-<file path=ppt/slides/slide12.xml><?xml version="1.0" encoding="utf-8"?>
-<p:sld xmlns:a="http://schemas.openxmlformats.org/drawingml/2006/main" xmlns:r="http://schemas.openxmlformats.org/officeDocument/2006/relationships" xmlns:p="http://schemas.openxmlformats.org/presentationml/2006/main">
-  <p:cSld>
-    <p:spTree>
-      <p:nvGrpSpPr>
-        <p:cNvPr id="1" name=""/>
-        <p:cNvGrpSpPr/>
-        <p:nvPr/>
-      </p:nvGrpSpPr>
-      <p:grpSpPr>
-        <a:xfrm>
-          <a:off x="0" y="0"/>
-          <a:ext cx="0" cy="0"/>
-          <a:chOff x="0" y="0"/>
-          <a:chExt cx="0" cy="0"/>
-        </a:xfrm>
-      </p:grpSpPr>
-      <p:sp>
-        <p:nvSpPr>
           <p:cNvPr id="2" name="Tytuł 1">
             <a:extLst>
               <a:ext uri="{FF2B5EF4-FFF2-40B4-BE49-F238E27FC236}">
@@ -6758,7 +6719,7 @@
 </p:sld>
 </file>
 
-<file path=ppt/slides/slide13.xml><?xml version="1.0" encoding="utf-8"?>
+<file path=ppt/slides/slide12.xml><?xml version="1.0" encoding="utf-8"?>
 <p:sld xmlns:a="http://schemas.openxmlformats.org/drawingml/2006/main" xmlns:r="http://schemas.openxmlformats.org/officeDocument/2006/relationships" xmlns:p="http://schemas.openxmlformats.org/presentationml/2006/main">
   <p:cSld>
     <p:spTree>
@@ -6921,7 +6882,6 @@
               <a:rPr lang="pl-PL" dirty="0" smtClean="0"/>
               <a:t>Greedy</a:t>
             </a:r>
-            <a:endParaRPr lang="pl-PL" dirty="0" smtClean="0"/>
           </a:p>
           <a:p>
             <a:r>
@@ -6944,7 +6904,6 @@
               <a:rPr lang="pl-PL" dirty="0"/>
               <a:t> (usprawnienie do UCT)</a:t>
             </a:r>
-            <a:endParaRPr lang="pl-PL" dirty="0"/>
           </a:p>
         </p:txBody>
       </p:sp>
